--- a/Examples/CSharp/ProgrammersGuide/Presentations/Data/Convert_XPS.pptx
+++ b/Examples/CSharp/ProgrammersGuide/Presentations/Data/Convert_XPS.pptx
@@ -1,7 +1,6 @@
 
 <file path=ppt/presentation.xml><?xml version="1.0" encoding="utf-8"?>
-<!--Generated by Aspose.Slides for .NET 14.1.2.0-->
-<p:presentation xmlns:r="http://schemas.openxmlformats.org/officeDocument/2006/relationships" xmlns:a="http://schemas.openxmlformats.org/drawingml/2006/main" xmlns:p="http://schemas.openxmlformats.org/presentationml/2006/main">
+<p:presentation xmlns:a="http://schemas.openxmlformats.org/drawingml/2006/main" xmlns:r="http://schemas.openxmlformats.org/officeDocument/2006/relationships" xmlns:p="http://schemas.openxmlformats.org/presentationml/2006/main">
   <p:sldMasterIdLst>
     <p:sldMasterId id="2147483648" r:id="rId1"/>
   </p:sldMasterIdLst>
@@ -126,6 +125,22 @@
       </a:defRPr>
     </a:lvl5pPr>
   </p:defaultTextStyle>
+  <p:extLst>
+    <p:ext uri="{EFAFB233-063F-42B5-8137-9DF3F51BA10A}">
+      <p15:sldGuideLst xmlns:p15="http://schemas.microsoft.com/office/powerpoint/2012/main">
+        <p15:guide id="1" orient="horz" pos="2160">
+          <p15:clr>
+            <a:srgbClr val="A4A3A4"/>
+          </p15:clr>
+        </p15:guide>
+        <p15:guide id="2" pos="2880">
+          <p15:clr>
+            <a:srgbClr val="A4A3A4"/>
+          </p15:clr>
+        </p15:guide>
+      </p15:sldGuideLst>
+    </p:ext>
+  </p:extLst>
 </p:presentation>
 </file>
 
@@ -163,7 +178,7 @@
           <a:p>
             <a:fld id="{E8FD0B7A-F5DD-4F40-B4CB-3B2C354B893A}" type="datetimeFigureOut">
               <a:rPr lang="en-US" smtClean="0"/>
-              <a:t>11/7/2009</a:t>
+              <a:t>5/26/2016</a:t>
             </a:fld>
             <a:endParaRPr lang="en-US"/>
           </a:p>
@@ -229,25 +244,35 @@
 
 <file path=ppt/slideMasters/slideMaster1.xml><?xml version="1.0" encoding="utf-8"?>
 <p:sldMaster xmlns:a="http://schemas.openxmlformats.org/drawingml/2006/main" xmlns:r="http://schemas.openxmlformats.org/officeDocument/2006/relationships" xmlns:p="http://schemas.openxmlformats.org/presentationml/2006/main">
-  <p:cSld name="">
+  <p:cSld>
     <p:bg>
       <p:bgPr>
         <a:solidFill>
           <a:schemeClr val="bg1"/>
         </a:solidFill>
+        <a:effectLst/>
       </p:bgPr>
     </p:bg>
     <p:spTree>
       <p:nvGrpSpPr>
-        <p:cNvPr id="1" name="" descr=""/>
+        <p:cNvPr id="1" name=""/>
         <p:cNvGrpSpPr/>
         <p:nvPr/>
       </p:nvGrpSpPr>
-      <p:grpSpPr/>
+      <p:grpSpPr>
+        <a:xfrm>
+          <a:off x="0" y="0"/>
+          <a:ext cx="0" cy="0"/>
+          <a:chOff x="0" y="0"/>
+          <a:chExt cx="0" cy="0"/>
+        </a:xfrm>
+      </p:grpSpPr>
       <p:sp>
         <p:nvSpPr>
           <p:cNvPr id="1026" name="Title Placeholder 1"/>
-          <p:cNvSpPr/>
+          <p:cNvSpPr>
+            <a:spLocks noGrp="1"/>
+          </p:cNvSpPr>
           <p:nvPr>
             <p:ph type="title"/>
           </p:nvPr>
@@ -282,7 +307,9 @@
       <p:sp>
         <p:nvSpPr>
           <p:cNvPr id="1027" name="Text Placeholder 2"/>
-          <p:cNvSpPr/>
+          <p:cNvSpPr>
+            <a:spLocks noGrp="1"/>
+          </p:cNvSpPr>
           <p:nvPr>
             <p:ph type="body" idx="1"/>
           </p:nvPr>
@@ -341,7 +368,9 @@
       <p:sp>
         <p:nvSpPr>
           <p:cNvPr id="1028" name="Date Placeholder 3"/>
-          <p:cNvSpPr/>
+          <p:cNvSpPr>
+            <a:spLocks noGrp="1"/>
+          </p:cNvSpPr>
           <p:nvPr>
             <p:ph type="dt" sz="half" idx="2"/>
           </p:nvPr>
@@ -381,7 +410,9 @@
       <p:sp>
         <p:nvSpPr>
           <p:cNvPr id="1029" name="Footer Placeholder 4"/>
-          <p:cNvSpPr/>
+          <p:cNvSpPr>
+            <a:spLocks noGrp="1"/>
+          </p:cNvSpPr>
           <p:nvPr>
             <p:ph type="ftr" sz="quarter" idx="3"/>
           </p:nvPr>
@@ -405,13 +436,17 @@
             <a:noAutofit/>
           </a:bodyPr>
           <a:lstStyle/>
-          <a:p/>
+          <a:p>
+            <a:endParaRPr/>
+          </a:p>
         </p:txBody>
       </p:sp>
       <p:sp>
         <p:nvSpPr>
           <p:cNvPr id="1030" name="Slide Number Placeholder 5"/>
-          <p:cNvSpPr/>
+          <p:cNvSpPr>
+            <a:spLocks noGrp="1"/>
+          </p:cNvSpPr>
           <p:nvPr>
             <p:ph type="sldNum" sz="quarter" idx="4"/>
           </p:nvPr>
@@ -706,14 +741,21 @@
 
 <file path=ppt/slides/slide1.xml><?xml version="1.0" encoding="utf-8"?>
 <p:sld xmlns:a="http://schemas.openxmlformats.org/drawingml/2006/main" xmlns:r="http://schemas.openxmlformats.org/officeDocument/2006/relationships" xmlns:p="http://schemas.openxmlformats.org/presentationml/2006/main">
-  <p:cSld name="">
+  <p:cSld>
     <p:spTree>
       <p:nvGrpSpPr>
-        <p:cNvPr id="1" name="" descr=""/>
+        <p:cNvPr id="1" name=""/>
         <p:cNvGrpSpPr/>
         <p:nvPr/>
       </p:nvGrpSpPr>
-      <p:grpSpPr/>
+      <p:grpSpPr>
+        <a:xfrm>
+          <a:off x="0" y="0"/>
+          <a:ext cx="0" cy="0"/>
+          <a:chOff x="0" y="0"/>
+          <a:chExt cx="0" cy="0"/>
+        </a:xfrm>
+      </p:grpSpPr>
       <p:sp>
         <p:nvSpPr>
           <p:cNvPr id="2050" name="TextBox 3"/>
@@ -1060,7 +1102,9 @@
               <a:noAutofit/>
             </a:bodyPr>
             <a:lstStyle/>
-            <a:p/>
+            <a:p>
+              <a:endParaRPr/>
+            </a:p>
           </p:txBody>
         </p:sp>
         <p:sp>
@@ -1092,81 +1136,12 @@
               <a:noAutofit/>
             </a:bodyPr>
             <a:lstStyle/>
-            <a:p/>
+            <a:p>
+              <a:endParaRPr/>
+            </a:p>
           </p:txBody>
         </p:sp>
       </p:grpSp>
-      <p:sp>
-        <p:nvSpPr>
-          <p:cNvPr id="2055" name="TextBox"/>
-          <p:cNvSpPr txBox="1">
-            <a:spLocks noGrp="1" noSelect="1" noRot="1" noMove="1"/>
-          </p:cNvSpPr>
-          <p:nvPr/>
-        </p:nvSpPr>
-        <p:spPr>
-          <a:xfrm>
-            <a:off x="1366520" y="2644140"/>
-            <a:ext cx="6411372" cy="1569660"/>
-          </a:xfrm>
-          <a:prstGeom prst="rect">
-            <a:avLst/>
-          </a:prstGeom>
-          <a:noFill/>
-        </p:spPr>
-        <p:txBody>
-          <a:bodyPr wrap="none" rtlCol="0" anchor="ctr" anchorCtr="1">
-            <a:spAutoFit/>
-          </a:bodyPr>
-          <a:lstStyle>
-            <a:lvl1pPr algn="l">
-              <a:lnSpc>
-                <a:spcPct val="150000"/>
-              </a:lnSpc>
-              <a:spcBef>
-                <a:spcPct val="0"/>
-              </a:spcBef>
-              <a:spcAft>
-                <a:spcPct val="0"/>
-              </a:spcAft>
-              <a:defRPr lang="en-US" sz="3200" b="1" noProof="1" dirty="0">
-                <a:solidFill>
-                  <a:prstClr val="red">
-                    <a:lumOff val="30000"/>
-                    <a:alpha val="40000"/>
-                  </a:prstClr>
-                </a:solidFill>
-                <a:effectLst>
-                  <a:outerShdw blurRad="50800" dist="38100" algn="tr" rotWithShape="0">
-                    <a:prstClr val="black">
-                      <a:alpha val="80000"/>
-                    </a:prstClr>
-                  </a:outerShdw>
-                </a:effectLst>
-                <a:latin typeface="Calibri" pitchFamily="34" charset="0"/>
-              </a:defRPr>
-            </a:lvl1pPr>
-          </a:lstStyle>
-          <a:p>
-            <a:pPr algn="ctr"/>
-            <a:r>
-              <a:t>Evaluation only.</a:t>
-            </a:r>
-          </a:p>
-          <a:p>
-            <a:pPr algn="ctr"/>
-            <a:r>
-              <a:t>Created with Aspose.Slides for .NET 2.0 14.1.2.0</a:t>
-            </a:r>
-          </a:p>
-          <a:p>
-            <a:pPr algn="ctr"/>
-            <a:r>
-              <a:t>Copyright 2004-2014 Aspose Pty Ltd.</a:t>
-            </a:r>
-          </a:p>
-        </p:txBody>
-      </p:sp>
     </p:spTree>
   </p:cSld>
   <p:clrMapOvr>
@@ -1185,18 +1160,27 @@
 
 <file path=ppt/slides/slide2.xml><?xml version="1.0" encoding="utf-8"?>
 <p:sld xmlns:a="http://schemas.openxmlformats.org/drawingml/2006/main" xmlns:r="http://schemas.openxmlformats.org/officeDocument/2006/relationships" xmlns:p="http://schemas.openxmlformats.org/presentationml/2006/main">
-  <p:cSld name="">
+  <p:cSld>
     <p:spTree>
       <p:nvGrpSpPr>
-        <p:cNvPr id="1" name="" descr=""/>
+        <p:cNvPr id="1" name=""/>
         <p:cNvGrpSpPr/>
         <p:nvPr/>
       </p:nvGrpSpPr>
-      <p:grpSpPr/>
+      <p:grpSpPr>
+        <a:xfrm>
+          <a:off x="0" y="0"/>
+          <a:ext cx="0" cy="0"/>
+          <a:chOff x="0" y="0"/>
+          <a:chExt cx="0" cy="0"/>
+        </a:xfrm>
+      </p:grpSpPr>
       <p:sp>
         <p:nvSpPr>
           <p:cNvPr id="3074" name="Title 1"/>
-          <p:cNvSpPr/>
+          <p:cNvSpPr>
+            <a:spLocks noGrp="1"/>
+          </p:cNvSpPr>
           <p:nvPr>
             <p:ph type="title" idx="4294967295"/>
           </p:nvPr>
@@ -1258,7 +1242,9 @@
       <p:sp>
         <p:nvSpPr>
           <p:cNvPr id="3075" name="Content Placeholder 2"/>
-          <p:cNvSpPr/>
+          <p:cNvSpPr>
+            <a:spLocks noGrp="1"/>
+          </p:cNvSpPr>
           <p:nvPr>
             <p:ph idx="4294967295"/>
           </p:nvPr>
@@ -1422,8 +1408,8 @@
         </p:nvSpPr>
         <p:spPr>
           <a:xfrm>
-            <a:off x="1366520" y="2644140"/>
-            <a:ext cx="6411372" cy="1569660"/>
+            <a:off x="4479841" y="3051623"/>
+            <a:ext cx="184730" cy="754694"/>
           </a:xfrm>
           <a:prstGeom prst="rect">
             <a:avLst/>
@@ -1465,21 +1451,33 @@
           </a:lstStyle>
           <a:p>
             <a:pPr algn="ctr"/>
-            <a:r>
-              <a:t>Evaluation only.</a:t>
-            </a:r>
-          </a:p>
-          <a:p>
-            <a:pPr algn="ctr"/>
-            <a:r>
-              <a:t>Created with Aspose.Slides for .NET 2.0 14.1.2.0</a:t>
-            </a:r>
-          </a:p>
-          <a:p>
-            <a:pPr algn="ctr"/>
-            <a:r>
-              <a:t>Copyright 2004-2014 Aspose Pty Ltd.</a:t>
-            </a:r>
+            <a:endParaRPr dirty="0"/>
+          </a:p>
+        </p:txBody>
+      </p:sp>
+      <p:sp>
+        <p:nvSpPr>
+          <p:cNvPr id="2" name="TextBox 1"/>
+          <p:cNvSpPr txBox="1"/>
+          <p:nvPr/>
+        </p:nvSpPr>
+        <p:spPr>
+          <a:xfrm>
+            <a:off x="4427984" y="2924944"/>
+            <a:ext cx="184731" cy="369332"/>
+          </a:xfrm>
+          <a:prstGeom prst="rect">
+            <a:avLst/>
+          </a:prstGeom>
+          <a:noFill/>
+        </p:spPr>
+        <p:txBody>
+          <a:bodyPr wrap="none" rtlCol="0">
+            <a:spAutoFit/>
+          </a:bodyPr>
+          <a:lstStyle/>
+          <a:p>
+            <a:endParaRPr lang="en-US" dirty="0"/>
           </a:p>
         </p:txBody>
       </p:sp>
@@ -1500,7 +1498,7 @@
 </file>
 
 <file path=ppt/tags/tag1.xml><?xml version="1.0" encoding="utf-8"?>
-<p:tagLst xmlns:p="http://schemas.openxmlformats.org/presentationml/2006/main">
+<p:tagLst xmlns:a="http://schemas.openxmlformats.org/drawingml/2006/main" xmlns:r="http://schemas.openxmlformats.org/officeDocument/2006/relationships" xmlns:p="http://schemas.openxmlformats.org/presentationml/2006/main">
   <p:tag name="AS_NET" val="2.0.50727.5472"/>
   <p:tag name="AS_OS" val="Microsoft Windows NT 6.1.7601 Service Pack 1"/>
   <p:tag name="AS_RELEASE_DATE" val="2014.02.17"/>
@@ -1510,7 +1508,7 @@
 </file>
 
 <file path=ppt/theme/theme1.xml><?xml version="1.0" encoding="utf-8"?>
-<a:theme xmlns:r="http://schemas.openxmlformats.org/officeDocument/2006/relationships" xmlns:a="http://schemas.openxmlformats.org/drawingml/2006/main" name="Office Theme">
+<a:theme xmlns:a="http://schemas.openxmlformats.org/drawingml/2006/main" name="Office Theme">
   <a:themeElements>
     <a:clrScheme name="">
       <a:dk1>
@@ -1729,6 +1727,7 @@
       </a:bgFillStyleLst>
     </a:fmtScheme>
   </a:themeElements>
+  <a:objectDefaults/>
   <a:extraClrSchemeLst>
     <a:extraClrScheme>
       <a:clrScheme name="">
